--- a/slides/4-DeclarandoUsandoVariaveis.pptx
+++ b/slides/4-DeclarandoUsandoVariaveis.pptx
@@ -201,7 +201,7 @@
             <a:fld id="{3CDD0DE3-45DB-4C54-87B2-6479F59A40E2}" type="datetimeFigureOut">
               <a:rPr lang="pt-BR" smtClean="0"/>
               <a:pPr/>
-              <a:t>14/01/2012</a:t>
+              <a:t>08/02/2012</a:t>
             </a:fld>
             <a:endParaRPr lang="pt-BR"/>
           </a:p>
@@ -370,7 +370,7 @@
     </p:spTree>
     <p:extLst>
       <p:ext uri="{BB962C8B-B14F-4D97-AF65-F5344CB8AC3E}">
-        <p14:creationId xmlns:p14="http://schemas.microsoft.com/office/powerpoint/2010/main" xmlns="" val="323633875"/>
+        <p14:creationId xmlns:p14="http://schemas.microsoft.com/office/powerpoint/2010/main" val="323633875"/>
       </p:ext>
     </p:extLst>
   </p:cSld>
@@ -1399,7 +1399,7 @@
             <a:fld id="{766E0936-2EAE-45ED-BF76-21D747438BFA}" type="datetimeFigureOut">
               <a:rPr lang="pt-BR" smtClean="0"/>
               <a:pPr/>
-              <a:t>14/01/2012</a:t>
+              <a:t>08/02/2012</a:t>
             </a:fld>
             <a:endParaRPr lang="pt-BR"/>
           </a:p>
@@ -1451,7 +1451,7 @@
     </p:spTree>
     <p:extLst>
       <p:ext uri="{BB962C8B-B14F-4D97-AF65-F5344CB8AC3E}">
-        <p14:creationId xmlns:p14="http://schemas.microsoft.com/office/powerpoint/2010/main" xmlns="" val="3819067513"/>
+        <p14:creationId xmlns:p14="http://schemas.microsoft.com/office/powerpoint/2010/main" val="3819067513"/>
       </p:ext>
     </p:extLst>
   </p:cSld>
@@ -1623,7 +1623,7 @@
             <a:fld id="{766E0936-2EAE-45ED-BF76-21D747438BFA}" type="datetimeFigureOut">
               <a:rPr lang="pt-BR" smtClean="0"/>
               <a:pPr/>
-              <a:t>14/01/2012</a:t>
+              <a:t>08/02/2012</a:t>
             </a:fld>
             <a:endParaRPr lang="pt-BR"/>
           </a:p>
@@ -1675,7 +1675,7 @@
     </p:spTree>
     <p:extLst>
       <p:ext uri="{BB962C8B-B14F-4D97-AF65-F5344CB8AC3E}">
-        <p14:creationId xmlns:p14="http://schemas.microsoft.com/office/powerpoint/2010/main" xmlns="" val="4293683188"/>
+        <p14:creationId xmlns:p14="http://schemas.microsoft.com/office/powerpoint/2010/main" val="4293683188"/>
       </p:ext>
     </p:extLst>
   </p:cSld>
@@ -1857,7 +1857,7 @@
             <a:fld id="{766E0936-2EAE-45ED-BF76-21D747438BFA}" type="datetimeFigureOut">
               <a:rPr lang="pt-BR" smtClean="0"/>
               <a:pPr/>
-              <a:t>14/01/2012</a:t>
+              <a:t>08/02/2012</a:t>
             </a:fld>
             <a:endParaRPr lang="pt-BR"/>
           </a:p>
@@ -1909,7 +1909,7 @@
     </p:spTree>
     <p:extLst>
       <p:ext uri="{BB962C8B-B14F-4D97-AF65-F5344CB8AC3E}">
-        <p14:creationId xmlns:p14="http://schemas.microsoft.com/office/powerpoint/2010/main" xmlns="" val="932540526"/>
+        <p14:creationId xmlns:p14="http://schemas.microsoft.com/office/powerpoint/2010/main" val="932540526"/>
       </p:ext>
     </p:extLst>
   </p:cSld>
@@ -1956,7 +1956,7 @@
           <a:blip r:embed="rId2" cstate="print">
             <a:extLst>
               <a:ext uri="{BEBA8EAE-BF5A-486C-A8C5-ECC9F3942E4B}">
-                <a14:imgProps xmlns:a14="http://schemas.microsoft.com/office/drawing/2010/main" xmlns="">
+                <a14:imgProps xmlns:a14="http://schemas.microsoft.com/office/drawing/2010/main">
                   <a14:imgLayer r:embed="rId3">
                     <a14:imgEffect>
                       <a14:artisticBlur/>
@@ -1965,7 +1965,7 @@
                 </a14:imgProps>
               </a:ext>
               <a:ext uri="{28A0092B-C50C-407E-A947-70E740481C1C}">
-                <a14:useLocalDpi xmlns:a14="http://schemas.microsoft.com/office/drawing/2010/main" xmlns="" val="0"/>
+                <a14:useLocalDpi xmlns:a14="http://schemas.microsoft.com/office/drawing/2010/main" val="0"/>
               </a:ext>
             </a:extLst>
           </a:blip>
@@ -1987,14 +1987,14 @@
           </a:ln>
           <a:extLst>
             <a:ext uri="{909E8E84-426E-40DD-AFC4-6F175D3DCCD1}">
-              <a14:hiddenFill xmlns:a14="http://schemas.microsoft.com/office/drawing/2010/main" xmlns="">
+              <a14:hiddenFill xmlns:a14="http://schemas.microsoft.com/office/drawing/2010/main">
                 <a:solidFill>
                   <a:schemeClr val="accent1"/>
                 </a:solidFill>
               </a14:hiddenFill>
             </a:ext>
             <a:ext uri="{91240B29-F687-4F45-9708-019B960494DF}">
-              <a14:hiddenLine xmlns:a14="http://schemas.microsoft.com/office/drawing/2010/main" xmlns="" w="9525">
+              <a14:hiddenLine xmlns:a14="http://schemas.microsoft.com/office/drawing/2010/main" w="9525">
                 <a:solidFill>
                   <a:schemeClr val="tx1"/>
                 </a:solidFill>
@@ -2004,7 +2004,7 @@
               </a14:hiddenLine>
             </a:ext>
             <a:ext uri="{AF507438-7753-43E0-B8FC-AC1667EBCBE1}">
-              <a14:hiddenEffects xmlns:a14="http://schemas.microsoft.com/office/drawing/2010/main" xmlns="">
+              <a14:hiddenEffects xmlns:a14="http://schemas.microsoft.com/office/drawing/2010/main">
                 <a:effectLst>
                   <a:outerShdw dist="35921" dir="2700000" algn="ctr" rotWithShape="0">
                     <a:schemeClr val="bg2"/>
@@ -2200,7 +2200,7 @@
             <a:fld id="{766E0936-2EAE-45ED-BF76-21D747438BFA}" type="datetimeFigureOut">
               <a:rPr lang="pt-BR" smtClean="0"/>
               <a:pPr/>
-              <a:t>14/01/2012</a:t>
+              <a:t>08/02/2012</a:t>
             </a:fld>
             <a:endParaRPr lang="pt-BR"/>
           </a:p>
@@ -2252,7 +2252,7 @@
     </p:spTree>
     <p:extLst>
       <p:ext uri="{BB962C8B-B14F-4D97-AF65-F5344CB8AC3E}">
-        <p14:creationId xmlns:p14="http://schemas.microsoft.com/office/powerpoint/2010/main" xmlns="" val="1140807732"/>
+        <p14:creationId xmlns:p14="http://schemas.microsoft.com/office/powerpoint/2010/main" val="1140807732"/>
       </p:ext>
     </p:extLst>
   </p:cSld>
@@ -2458,7 +2458,7 @@
             <a:fld id="{766E0936-2EAE-45ED-BF76-21D747438BFA}" type="datetimeFigureOut">
               <a:rPr lang="pt-BR" smtClean="0"/>
               <a:pPr/>
-              <a:t>14/01/2012</a:t>
+              <a:t>08/02/2012</a:t>
             </a:fld>
             <a:endParaRPr lang="pt-BR"/>
           </a:p>
@@ -2510,7 +2510,7 @@
     </p:spTree>
     <p:extLst>
       <p:ext uri="{BB962C8B-B14F-4D97-AF65-F5344CB8AC3E}">
-        <p14:creationId xmlns:p14="http://schemas.microsoft.com/office/powerpoint/2010/main" xmlns="" val="3735907881"/>
+        <p14:creationId xmlns:p14="http://schemas.microsoft.com/office/powerpoint/2010/main" val="3735907881"/>
       </p:ext>
     </p:extLst>
   </p:cSld>
@@ -2804,7 +2804,7 @@
             <a:fld id="{766E0936-2EAE-45ED-BF76-21D747438BFA}" type="datetimeFigureOut">
               <a:rPr lang="pt-BR" smtClean="0"/>
               <a:pPr/>
-              <a:t>14/01/2012</a:t>
+              <a:t>08/02/2012</a:t>
             </a:fld>
             <a:endParaRPr lang="pt-BR"/>
           </a:p>
@@ -2856,7 +2856,7 @@
     </p:spTree>
     <p:extLst>
       <p:ext uri="{BB962C8B-B14F-4D97-AF65-F5344CB8AC3E}">
-        <p14:creationId xmlns:p14="http://schemas.microsoft.com/office/powerpoint/2010/main" xmlns="" val="2820318444"/>
+        <p14:creationId xmlns:p14="http://schemas.microsoft.com/office/powerpoint/2010/main" val="2820318444"/>
       </p:ext>
     </p:extLst>
   </p:cSld>
@@ -3288,7 +3288,7 @@
             <a:fld id="{766E0936-2EAE-45ED-BF76-21D747438BFA}" type="datetimeFigureOut">
               <a:rPr lang="pt-BR" smtClean="0"/>
               <a:pPr/>
-              <a:t>14/01/2012</a:t>
+              <a:t>08/02/2012</a:t>
             </a:fld>
             <a:endParaRPr lang="pt-BR"/>
           </a:p>
@@ -3340,7 +3340,7 @@
     </p:spTree>
     <p:extLst>
       <p:ext uri="{BB962C8B-B14F-4D97-AF65-F5344CB8AC3E}">
-        <p14:creationId xmlns:p14="http://schemas.microsoft.com/office/powerpoint/2010/main" xmlns="" val="566552069"/>
+        <p14:creationId xmlns:p14="http://schemas.microsoft.com/office/powerpoint/2010/main" val="566552069"/>
       </p:ext>
     </p:extLst>
   </p:cSld>
@@ -3424,7 +3424,7 @@
             <a:fld id="{766E0936-2EAE-45ED-BF76-21D747438BFA}" type="datetimeFigureOut">
               <a:rPr lang="pt-BR" smtClean="0"/>
               <a:pPr/>
-              <a:t>14/01/2012</a:t>
+              <a:t>08/02/2012</a:t>
             </a:fld>
             <a:endParaRPr lang="pt-BR"/>
           </a:p>
@@ -3476,7 +3476,7 @@
     </p:spTree>
     <p:extLst>
       <p:ext uri="{BB962C8B-B14F-4D97-AF65-F5344CB8AC3E}">
-        <p14:creationId xmlns:p14="http://schemas.microsoft.com/office/powerpoint/2010/main" xmlns="" val="1358390184"/>
+        <p14:creationId xmlns:p14="http://schemas.microsoft.com/office/powerpoint/2010/main" val="1358390184"/>
       </p:ext>
     </p:extLst>
   </p:cSld>
@@ -3529,7 +3529,7 @@
             <a:fld id="{766E0936-2EAE-45ED-BF76-21D747438BFA}" type="datetimeFigureOut">
               <a:rPr lang="pt-BR" smtClean="0"/>
               <a:pPr/>
-              <a:t>14/01/2012</a:t>
+              <a:t>08/02/2012</a:t>
             </a:fld>
             <a:endParaRPr lang="pt-BR"/>
           </a:p>
@@ -3581,7 +3581,7 @@
     </p:spTree>
     <p:extLst>
       <p:ext uri="{BB962C8B-B14F-4D97-AF65-F5344CB8AC3E}">
-        <p14:creationId xmlns:p14="http://schemas.microsoft.com/office/powerpoint/2010/main" xmlns="" val="3705262111"/>
+        <p14:creationId xmlns:p14="http://schemas.microsoft.com/office/powerpoint/2010/main" val="3705262111"/>
       </p:ext>
     </p:extLst>
   </p:cSld>
@@ -3844,7 +3844,7 @@
             <a:fld id="{766E0936-2EAE-45ED-BF76-21D747438BFA}" type="datetimeFigureOut">
               <a:rPr lang="pt-BR" smtClean="0"/>
               <a:pPr/>
-              <a:t>14/01/2012</a:t>
+              <a:t>08/02/2012</a:t>
             </a:fld>
             <a:endParaRPr lang="pt-BR"/>
           </a:p>
@@ -3896,7 +3896,7 @@
     </p:spTree>
     <p:extLst>
       <p:ext uri="{BB962C8B-B14F-4D97-AF65-F5344CB8AC3E}">
-        <p14:creationId xmlns:p14="http://schemas.microsoft.com/office/powerpoint/2010/main" xmlns="" val="2189634051"/>
+        <p14:creationId xmlns:p14="http://schemas.microsoft.com/office/powerpoint/2010/main" val="2189634051"/>
       </p:ext>
     </p:extLst>
   </p:cSld>
@@ -4119,7 +4119,7 @@
             <a:fld id="{766E0936-2EAE-45ED-BF76-21D747438BFA}" type="datetimeFigureOut">
               <a:rPr lang="pt-BR" smtClean="0"/>
               <a:pPr/>
-              <a:t>14/01/2012</a:t>
+              <a:t>08/02/2012</a:t>
             </a:fld>
             <a:endParaRPr lang="pt-BR"/>
           </a:p>
@@ -4171,7 +4171,7 @@
     </p:spTree>
     <p:extLst>
       <p:ext uri="{BB962C8B-B14F-4D97-AF65-F5344CB8AC3E}">
-        <p14:creationId xmlns:p14="http://schemas.microsoft.com/office/powerpoint/2010/main" xmlns="" val="3848481695"/>
+        <p14:creationId xmlns:p14="http://schemas.microsoft.com/office/powerpoint/2010/main" val="3848481695"/>
       </p:ext>
     </p:extLst>
   </p:cSld>
@@ -4335,7 +4335,7 @@
             <a:fld id="{766E0936-2EAE-45ED-BF76-21D747438BFA}" type="datetimeFigureOut">
               <a:rPr lang="pt-BR" smtClean="0"/>
               <a:pPr/>
-              <a:t>14/01/2012</a:t>
+              <a:t>08/02/2012</a:t>
             </a:fld>
             <a:endParaRPr lang="pt-BR"/>
           </a:p>
@@ -4449,7 +4449,7 @@
     </p:spTree>
     <p:extLst>
       <p:ext uri="{BB962C8B-B14F-4D97-AF65-F5344CB8AC3E}">
-        <p14:creationId xmlns:p14="http://schemas.microsoft.com/office/powerpoint/2010/main" xmlns="" val="2257276274"/>
+        <p14:creationId xmlns:p14="http://schemas.microsoft.com/office/powerpoint/2010/main" val="2257276274"/>
       </p:ext>
     </p:extLst>
   </p:cSld>
@@ -4757,7 +4757,7 @@
           <a:blip r:embed="rId3" cstate="print">
             <a:extLst>
               <a:ext uri="{28A0092B-C50C-407E-A947-70E740481C1C}">
-                <a14:useLocalDpi xmlns:a14="http://schemas.microsoft.com/office/drawing/2010/main" xmlns="" val="0"/>
+                <a14:useLocalDpi xmlns:a14="http://schemas.microsoft.com/office/drawing/2010/main" val="0"/>
               </a:ext>
             </a:extLst>
           </a:blip>
@@ -4781,14 +4781,14 @@
           <a:effectLst/>
           <a:extLst>
             <a:ext uri="{909E8E84-426E-40DD-AFC4-6F175D3DCCD1}">
-              <a14:hiddenFill xmlns:a14="http://schemas.microsoft.com/office/drawing/2010/main" xmlns="">
+              <a14:hiddenFill xmlns:a14="http://schemas.microsoft.com/office/drawing/2010/main">
                 <a:solidFill>
                   <a:schemeClr val="accent1"/>
                 </a:solidFill>
               </a14:hiddenFill>
             </a:ext>
             <a:ext uri="{91240B29-F687-4F45-9708-019B960494DF}">
-              <a14:hiddenLine xmlns:a14="http://schemas.microsoft.com/office/drawing/2010/main" xmlns="" w="9525">
+              <a14:hiddenLine xmlns:a14="http://schemas.microsoft.com/office/drawing/2010/main" w="9525">
                 <a:solidFill>
                   <a:schemeClr val="tx1"/>
                 </a:solidFill>
@@ -4798,7 +4798,7 @@
               </a14:hiddenLine>
             </a:ext>
             <a:ext uri="{AF507438-7753-43E0-B8FC-AC1667EBCBE1}">
-              <a14:hiddenEffects xmlns:a14="http://schemas.microsoft.com/office/drawing/2010/main" xmlns="">
+              <a14:hiddenEffects xmlns:a14="http://schemas.microsoft.com/office/drawing/2010/main">
                 <a:effectLst>
                   <a:outerShdw dist="35921" dir="2700000" algn="ctr" rotWithShape="0">
                     <a:schemeClr val="bg2"/>
@@ -4886,7 +4886,7 @@
     </p:spTree>
     <p:extLst>
       <p:ext uri="{BB962C8B-B14F-4D97-AF65-F5344CB8AC3E}">
-        <p14:creationId xmlns:p14="http://schemas.microsoft.com/office/powerpoint/2010/main" xmlns="" val="3499982093"/>
+        <p14:creationId xmlns:p14="http://schemas.microsoft.com/office/powerpoint/2010/main" val="3499982093"/>
       </p:ext>
     </p:extLst>
   </p:cSld>
@@ -5186,7 +5186,7 @@
               <a:t>	</a:t>
             </a:r>
             <a:r>
-              <a:rPr lang="en-US" sz="1600" b="1" dirty="0">
+              <a:rPr lang="en-US" sz="1600" b="1" smtClean="0">
                 <a:solidFill>
                   <a:srgbClr val="7F0055"/>
                 </a:solidFill>
@@ -5194,10 +5194,10 @@
                 <a:ea typeface="Calibri"/>
                 <a:cs typeface="Consolas" pitchFamily="49" charset="0"/>
               </a:rPr>
-              <a:t>public</a:t>
-            </a:r>
-            <a:r>
-              <a:rPr lang="en-US" sz="1600" dirty="0">
+              <a:t>public </a:t>
+            </a:r>
+            <a:r>
+              <a:rPr lang="en-US" sz="1600" smtClean="0">
                 <a:solidFill>
                   <a:srgbClr val="000000"/>
                 </a:solidFill>
@@ -5205,7 +5205,7 @@
                 <a:ea typeface="Calibri"/>
                 <a:cs typeface="Consolas" pitchFamily="49" charset="0"/>
               </a:rPr>
-              <a:t> String </a:t>
+              <a:t>String </a:t>
             </a:r>
             <a:r>
               <a:rPr lang="en-US" sz="1600" dirty="0">
@@ -6527,7 +6527,7 @@
     </p:spTree>
     <p:extLst>
       <p:ext uri="{BB962C8B-B14F-4D97-AF65-F5344CB8AC3E}">
-        <p14:creationId xmlns:p14="http://schemas.microsoft.com/office/powerpoint/2010/main" xmlns="" val="2917853390"/>
+        <p14:creationId xmlns:p14="http://schemas.microsoft.com/office/powerpoint/2010/main" val="2917853390"/>
       </p:ext>
     </p:extLst>
   </p:cSld>
@@ -6756,7 +6756,7 @@
     </p:spTree>
     <p:extLst>
       <p:ext uri="{BB962C8B-B14F-4D97-AF65-F5344CB8AC3E}">
-        <p14:creationId xmlns:p14="http://schemas.microsoft.com/office/powerpoint/2010/main" xmlns="" val="3833195281"/>
+        <p14:creationId xmlns:p14="http://schemas.microsoft.com/office/powerpoint/2010/main" val="3833195281"/>
       </p:ext>
     </p:extLst>
   </p:cSld>
@@ -7422,7 +7422,7 @@
     </p:spTree>
     <p:extLst>
       <p:ext uri="{BB962C8B-B14F-4D97-AF65-F5344CB8AC3E}">
-        <p14:creationId xmlns:p14="http://schemas.microsoft.com/office/powerpoint/2010/main" xmlns="" val="1907673848"/>
+        <p14:creationId xmlns:p14="http://schemas.microsoft.com/office/powerpoint/2010/main" val="1907673848"/>
       </p:ext>
     </p:extLst>
   </p:cSld>
@@ -7637,7 +7637,7 @@
     </p:spTree>
     <p:extLst>
       <p:ext uri="{BB962C8B-B14F-4D97-AF65-F5344CB8AC3E}">
-        <p14:creationId xmlns:p14="http://schemas.microsoft.com/office/powerpoint/2010/main" xmlns="" val="718121900"/>
+        <p14:creationId xmlns:p14="http://schemas.microsoft.com/office/powerpoint/2010/main" val="718121900"/>
       </p:ext>
     </p:extLst>
   </p:cSld>
@@ -7918,7 +7918,7 @@
     </p:spTree>
     <p:extLst>
       <p:ext uri="{BB962C8B-B14F-4D97-AF65-F5344CB8AC3E}">
-        <p14:creationId xmlns:p14="http://schemas.microsoft.com/office/powerpoint/2010/main" xmlns="" val="2191036836"/>
+        <p14:creationId xmlns:p14="http://schemas.microsoft.com/office/powerpoint/2010/main" val="2191036836"/>
       </p:ext>
     </p:extLst>
   </p:cSld>
@@ -8190,7 +8190,7 @@
     </p:spTree>
     <p:extLst>
       <p:ext uri="{BB962C8B-B14F-4D97-AF65-F5344CB8AC3E}">
-        <p14:creationId xmlns:p14="http://schemas.microsoft.com/office/powerpoint/2010/main" xmlns="" val="3989487851"/>
+        <p14:creationId xmlns:p14="http://schemas.microsoft.com/office/powerpoint/2010/main" val="3989487851"/>
       </p:ext>
     </p:extLst>
   </p:cSld>
@@ -8739,7 +8739,7 @@
     </p:spTree>
     <p:extLst>
       <p:ext uri="{BB962C8B-B14F-4D97-AF65-F5344CB8AC3E}">
-        <p14:creationId xmlns:p14="http://schemas.microsoft.com/office/powerpoint/2010/main" xmlns="" val="2449201568"/>
+        <p14:creationId xmlns:p14="http://schemas.microsoft.com/office/powerpoint/2010/main" val="2449201568"/>
       </p:ext>
     </p:extLst>
   </p:cSld>
@@ -8975,7 +8975,7 @@
     </p:spTree>
     <p:extLst>
       <p:ext uri="{BB962C8B-B14F-4D97-AF65-F5344CB8AC3E}">
-        <p14:creationId xmlns:p14="http://schemas.microsoft.com/office/powerpoint/2010/main" xmlns="" val="4191540509"/>
+        <p14:creationId xmlns:p14="http://schemas.microsoft.com/office/powerpoint/2010/main" val="4191540509"/>
       </p:ext>
     </p:extLst>
   </p:cSld>
